--- a/demo/Demo.pptx
+++ b/demo/Demo.pptx
@@ -5,10 +5,10 @@
     <p:sldMasterId id="2147483688" r:id="rId4"/>
   </p:sldMasterIdLst>
   <p:notesMasterIdLst>
-    <p:notesMasterId r:id="rId15"/>
+    <p:notesMasterId r:id="rId16"/>
   </p:notesMasterIdLst>
   <p:handoutMasterIdLst>
-    <p:handoutMasterId r:id="rId16"/>
+    <p:handoutMasterId r:id="rId17"/>
   </p:handoutMasterIdLst>
   <p:sldIdLst>
     <p:sldId id="256" r:id="rId5"/>
@@ -21,6 +21,7 @@
     <p:sldId id="270" r:id="rId12"/>
     <p:sldId id="271" r:id="rId13"/>
     <p:sldId id="266" r:id="rId14"/>
+    <p:sldId id="272" r:id="rId15"/>
   </p:sldIdLst>
   <p:sldSz cx="12192000" cy="6858000"/>
   <p:notesSz cx="6858000" cy="9144000"/>
@@ -5263,7 +5264,7 @@
           <a:p>
             <a:fld id="{88B24071-69B2-40A7-B3EA-674584CE017F}" type="datetimeFigureOut">
               <a:rPr lang="en-US" smtClean="0"/>
-              <a:t>9/7/2023</a:t>
+              <a:t>9/9/2023</a:t>
             </a:fld>
             <a:endParaRPr lang="en-US" dirty="0"/>
           </a:p>
@@ -5440,7 +5441,7 @@
           <a:p>
             <a:fld id="{1D16B909-20DD-493C-AC6E-6A09AF3AE40E}" type="datetimeFigureOut">
               <a:rPr lang="en-US" smtClean="0"/>
-              <a:t>9/7/2023</a:t>
+              <a:t>9/9/2023</a:t>
             </a:fld>
             <a:endParaRPr lang="en-US" dirty="0"/>
           </a:p>
@@ -5875,6 +5876,90 @@
 </p:notes>
 </file>
 
+<file path=ppt/notesSlides/notesSlide11.xml><?xml version="1.0" encoding="utf-8"?>
+<p:notes xmlns:a="http://schemas.openxmlformats.org/drawingml/2006/main" xmlns:r="http://schemas.openxmlformats.org/officeDocument/2006/relationships" xmlns:p="http://schemas.openxmlformats.org/presentationml/2006/main">
+  <p:cSld>
+    <p:spTree>
+      <p:nvGrpSpPr>
+        <p:cNvPr id="1" name=""/>
+        <p:cNvGrpSpPr/>
+        <p:nvPr/>
+      </p:nvGrpSpPr>
+      <p:grpSpPr>
+        <a:xfrm>
+          <a:off x="0" y="0"/>
+          <a:ext cx="0" cy="0"/>
+          <a:chOff x="0" y="0"/>
+          <a:chExt cx="0" cy="0"/>
+        </a:xfrm>
+      </p:grpSpPr>
+      <p:sp>
+        <p:nvSpPr>
+          <p:cNvPr id="2" name="Slide Image Placeholder 1"/>
+          <p:cNvSpPr>
+            <a:spLocks noGrp="1" noRot="1" noChangeAspect="1"/>
+          </p:cNvSpPr>
+          <p:nvPr>
+            <p:ph type="sldImg"/>
+          </p:nvPr>
+        </p:nvSpPr>
+        <p:spPr/>
+      </p:sp>
+      <p:sp>
+        <p:nvSpPr>
+          <p:cNvPr id="3" name="Notes Placeholder 2"/>
+          <p:cNvSpPr>
+            <a:spLocks noGrp="1"/>
+          </p:cNvSpPr>
+          <p:nvPr>
+            <p:ph type="body" idx="1"/>
+          </p:nvPr>
+        </p:nvSpPr>
+        <p:spPr/>
+        <p:txBody>
+          <a:bodyPr/>
+          <a:lstStyle/>
+          <a:p>
+            <a:endParaRPr lang="en-US" dirty="0"/>
+          </a:p>
+        </p:txBody>
+      </p:sp>
+      <p:sp>
+        <p:nvSpPr>
+          <p:cNvPr id="4" name="Slide Number Placeholder 3"/>
+          <p:cNvSpPr>
+            <a:spLocks noGrp="1"/>
+          </p:cNvSpPr>
+          <p:nvPr>
+            <p:ph type="sldNum" sz="quarter" idx="5"/>
+          </p:nvPr>
+        </p:nvSpPr>
+        <p:spPr/>
+        <p:txBody>
+          <a:bodyPr/>
+          <a:lstStyle/>
+          <a:p>
+            <a:fld id="{F6BA3186-490C-4963-9CE5-58096C2F0BE5}" type="slidenum">
+              <a:rPr lang="en-US" smtClean="0"/>
+              <a:t>11</a:t>
+            </a:fld>
+            <a:endParaRPr lang="en-US" dirty="0"/>
+          </a:p>
+        </p:txBody>
+      </p:sp>
+    </p:spTree>
+    <p:extLst>
+      <p:ext uri="{BB962C8B-B14F-4D97-AF65-F5344CB8AC3E}">
+        <p14:creationId xmlns:p14="http://schemas.microsoft.com/office/powerpoint/2010/main" val="198887895"/>
+      </p:ext>
+    </p:extLst>
+  </p:cSld>
+  <p:clrMapOvr>
+    <a:masterClrMapping/>
+  </p:clrMapOvr>
+</p:notes>
+</file>
+
 <file path=ppt/notesSlides/notesSlide2.xml><?xml version="1.0" encoding="utf-8"?>
 <p:notes xmlns:a="http://schemas.openxmlformats.org/drawingml/2006/main" xmlns:r="http://schemas.openxmlformats.org/officeDocument/2006/relationships" xmlns:p="http://schemas.openxmlformats.org/presentationml/2006/main">
   <p:cSld>
@@ -6772,7 +6857,7 @@
             <a:fld id="{B61BEF0D-F0BB-DE4B-95CE-6DB70DBA9567}" type="datetimeFigureOut">
               <a:rPr lang="en-US" smtClean="0"/>
               <a:pPr/>
-              <a:t>9/7/2023</a:t>
+              <a:t>9/9/2023</a:t>
             </a:fld>
             <a:endParaRPr lang="en-US" dirty="0"/>
           </a:p>
@@ -7098,7 +7183,7 @@
             <a:fld id="{B61BEF0D-F0BB-DE4B-95CE-6DB70DBA9567}" type="datetimeFigureOut">
               <a:rPr lang="en-US" smtClean="0"/>
               <a:pPr/>
-              <a:t>9/7/2023</a:t>
+              <a:t>9/9/2023</a:t>
             </a:fld>
             <a:endParaRPr lang="en-US" dirty="0"/>
           </a:p>
@@ -7348,7 +7433,7 @@
             <a:fld id="{B61BEF0D-F0BB-DE4B-95CE-6DB70DBA9567}" type="datetimeFigureOut">
               <a:rPr lang="en-US" smtClean="0"/>
               <a:pPr/>
-              <a:t>9/7/2023</a:t>
+              <a:t>9/9/2023</a:t>
             </a:fld>
             <a:endParaRPr lang="en-US" dirty="0"/>
           </a:p>
@@ -7689,7 +7774,7 @@
             <a:fld id="{B61BEF0D-F0BB-DE4B-95CE-6DB70DBA9567}" type="datetimeFigureOut">
               <a:rPr lang="en-US" smtClean="0"/>
               <a:pPr/>
-              <a:t>9/7/2023</a:t>
+              <a:t>9/9/2023</a:t>
             </a:fld>
             <a:endParaRPr lang="en-US" dirty="0"/>
           </a:p>
@@ -8038,7 +8123,7 @@
             <a:fld id="{B61BEF0D-F0BB-DE4B-95CE-6DB70DBA9567}" type="datetimeFigureOut">
               <a:rPr lang="en-US" smtClean="0"/>
               <a:pPr/>
-              <a:t>9/7/2023</a:t>
+              <a:t>9/9/2023</a:t>
             </a:fld>
             <a:endParaRPr lang="en-US" dirty="0"/>
           </a:p>
@@ -8414,7 +8499,7 @@
             <a:fld id="{B61BEF0D-F0BB-DE4B-95CE-6DB70DBA9567}" type="datetimeFigureOut">
               <a:rPr lang="en-US" smtClean="0"/>
               <a:pPr/>
-              <a:t>9/7/2023</a:t>
+              <a:t>9/9/2023</a:t>
             </a:fld>
             <a:endParaRPr lang="en-US" dirty="0"/>
           </a:p>
@@ -8886,7 +8971,7 @@
             <a:fld id="{B61BEF0D-F0BB-DE4B-95CE-6DB70DBA9567}" type="datetimeFigureOut">
               <a:rPr lang="en-US" smtClean="0"/>
               <a:pPr/>
-              <a:t>9/7/2023</a:t>
+              <a:t>9/9/2023</a:t>
             </a:fld>
             <a:endParaRPr lang="en-US" dirty="0"/>
           </a:p>
@@ -9093,7 +9178,7 @@
             <a:fld id="{B61BEF0D-F0BB-DE4B-95CE-6DB70DBA9567}" type="datetimeFigureOut">
               <a:rPr lang="en-US" smtClean="0"/>
               <a:pPr/>
-              <a:t>9/7/2023</a:t>
+              <a:t>9/9/2023</a:t>
             </a:fld>
             <a:endParaRPr lang="en-US" dirty="0"/>
           </a:p>
@@ -9306,7 +9391,7 @@
             <a:fld id="{B61BEF0D-F0BB-DE4B-95CE-6DB70DBA9567}" type="datetimeFigureOut">
               <a:rPr lang="en-US" smtClean="0"/>
               <a:pPr/>
-              <a:t>9/7/2023</a:t>
+              <a:t>9/9/2023</a:t>
             </a:fld>
             <a:endParaRPr lang="en-US" dirty="0"/>
           </a:p>
@@ -9538,7 +9623,7 @@
           <a:p>
             <a:fld id="{05BFA754-D5C3-4E66-96A6-867B257F58DC}" type="datetimeFigureOut">
               <a:rPr lang="en-US" smtClean="0"/>
-              <a:t>9/7/2023</a:t>
+              <a:t>9/9/2023</a:t>
             </a:fld>
             <a:endParaRPr lang="en-US" dirty="0"/>
           </a:p>
@@ -9787,7 +9872,7 @@
             <a:fld id="{B61BEF0D-F0BB-DE4B-95CE-6DB70DBA9567}" type="datetimeFigureOut">
               <a:rPr lang="en-US" smtClean="0"/>
               <a:pPr/>
-              <a:t>9/7/2023</a:t>
+              <a:t>9/9/2023</a:t>
             </a:fld>
             <a:endParaRPr lang="en-US" dirty="0"/>
           </a:p>
@@ -10086,7 +10171,7 @@
           <a:p>
             <a:fld id="{05BFA754-D5C3-4E66-96A6-867B257F58DC}" type="datetimeFigureOut">
               <a:rPr lang="en-US" smtClean="0"/>
-              <a:t>9/7/2023</a:t>
+              <a:t>9/9/2023</a:t>
             </a:fld>
             <a:endParaRPr lang="en-US" dirty="0"/>
           </a:p>
@@ -10469,7 +10554,7 @@
             <a:fld id="{B61BEF0D-F0BB-DE4B-95CE-6DB70DBA9567}" type="datetimeFigureOut">
               <a:rPr lang="en-US" smtClean="0"/>
               <a:pPr/>
-              <a:t>9/7/2023</a:t>
+              <a:t>9/9/2023</a:t>
             </a:fld>
             <a:endParaRPr lang="en-US" dirty="0"/>
           </a:p>
@@ -10620,7 +10705,7 @@
             <a:fld id="{B61BEF0D-F0BB-DE4B-95CE-6DB70DBA9567}" type="datetimeFigureOut">
               <a:rPr lang="en-US" smtClean="0"/>
               <a:pPr/>
-              <a:t>9/7/2023</a:t>
+              <a:t>9/9/2023</a:t>
             </a:fld>
             <a:endParaRPr lang="en-US" dirty="0"/>
           </a:p>
@@ -10748,7 +10833,7 @@
             <a:fld id="{B61BEF0D-F0BB-DE4B-95CE-6DB70DBA9567}" type="datetimeFigureOut">
               <a:rPr lang="en-US" smtClean="0"/>
               <a:pPr/>
-              <a:t>9/7/2023</a:t>
+              <a:t>9/9/2023</a:t>
             </a:fld>
             <a:endParaRPr lang="en-US" dirty="0"/>
           </a:p>
@@ -11005,7 +11090,7 @@
             <a:fld id="{B61BEF0D-F0BB-DE4B-95CE-6DB70DBA9567}" type="datetimeFigureOut">
               <a:rPr lang="en-US" smtClean="0"/>
               <a:pPr/>
-              <a:t>9/7/2023</a:t>
+              <a:t>9/9/2023</a:t>
             </a:fld>
             <a:endParaRPr lang="en-US" dirty="0"/>
           </a:p>
@@ -11322,7 +11407,7 @@
             <a:fld id="{B61BEF0D-F0BB-DE4B-95CE-6DB70DBA9567}" type="datetimeFigureOut">
               <a:rPr lang="en-US" smtClean="0"/>
               <a:pPr/>
-              <a:t>9/7/2023</a:t>
+              <a:t>9/9/2023</a:t>
             </a:fld>
             <a:endParaRPr lang="en-US" dirty="0"/>
           </a:p>
@@ -11568,7 +11653,7 @@
             <a:fld id="{B61BEF0D-F0BB-DE4B-95CE-6DB70DBA9567}" type="datetimeFigureOut">
               <a:rPr lang="en-US" smtClean="0"/>
               <a:pPr/>
-              <a:t>9/7/2023</a:t>
+              <a:t>9/9/2023</a:t>
             </a:fld>
             <a:endParaRPr lang="en-US" dirty="0"/>
           </a:p>
@@ -13013,10 +13098,9 @@
           <a:lstStyle/>
           <a:p>
             <a:r>
-              <a:rPr lang="en-US" sz="3200" dirty="0" err="1"/>
+              <a:rPr lang="en-US" sz="3200" dirty="0"/>
               <a:t>ShoreRestore</a:t>
             </a:r>
-            <a:endParaRPr lang="en-US" sz="3200" dirty="0"/>
           </a:p>
         </p:txBody>
       </p:sp>
@@ -13336,6 +13420,109 @@
     <p:extLst>
       <p:ext uri="{BB962C8B-B14F-4D97-AF65-F5344CB8AC3E}">
         <p14:creationId xmlns:p14="http://schemas.microsoft.com/office/powerpoint/2010/main" val="1565644826"/>
+      </p:ext>
+    </p:extLst>
+  </p:cSld>
+  <p:clrMapOvr>
+    <a:masterClrMapping/>
+  </p:clrMapOvr>
+</p:sld>
+</file>
+
+<file path=ppt/slides/slide11.xml><?xml version="1.0" encoding="utf-8"?>
+<p:sld xmlns:a="http://schemas.openxmlformats.org/drawingml/2006/main" xmlns:r="http://schemas.openxmlformats.org/officeDocument/2006/relationships" xmlns:p="http://schemas.openxmlformats.org/presentationml/2006/main">
+  <p:cSld>
+    <p:spTree>
+      <p:nvGrpSpPr>
+        <p:cNvPr id="1" name=""/>
+        <p:cNvGrpSpPr/>
+        <p:nvPr/>
+      </p:nvGrpSpPr>
+      <p:grpSpPr>
+        <a:xfrm>
+          <a:off x="0" y="0"/>
+          <a:ext cx="0" cy="0"/>
+          <a:chOff x="0" y="0"/>
+          <a:chExt cx="0" cy="0"/>
+        </a:xfrm>
+      </p:grpSpPr>
+      <p:sp>
+        <p:nvSpPr>
+          <p:cNvPr id="2" name="Title 1">
+            <a:extLst>
+              <a:ext uri="{FF2B5EF4-FFF2-40B4-BE49-F238E27FC236}">
+                <a16:creationId xmlns:a16="http://schemas.microsoft.com/office/drawing/2014/main" id="{21C7DE69-9246-4C6D-B903-F8ACF4C0E855}"/>
+              </a:ext>
+            </a:extLst>
+          </p:cNvPr>
+          <p:cNvSpPr>
+            <a:spLocks noGrp="1"/>
+          </p:cNvSpPr>
+          <p:nvPr>
+            <p:ph type="title"/>
+          </p:nvPr>
+        </p:nvSpPr>
+        <p:spPr>
+          <a:xfrm>
+            <a:off x="1295402" y="982132"/>
+            <a:ext cx="9601196" cy="1303867"/>
+          </a:xfrm>
+        </p:spPr>
+        <p:txBody>
+          <a:bodyPr>
+            <a:normAutofit/>
+          </a:bodyPr>
+          <a:lstStyle/>
+          <a:p>
+            <a:r>
+              <a:rPr lang="en-US" dirty="0">
+                <a:solidFill>
+                  <a:srgbClr val="262626"/>
+                </a:solidFill>
+              </a:rPr>
+              <a:t>Demo</a:t>
+            </a:r>
+          </a:p>
+        </p:txBody>
+      </p:sp>
+      <p:sp>
+        <p:nvSpPr>
+          <p:cNvPr id="4" name="Content Placeholder 3">
+            <a:extLst>
+              <a:ext uri="{FF2B5EF4-FFF2-40B4-BE49-F238E27FC236}">
+                <a16:creationId xmlns:a16="http://schemas.microsoft.com/office/drawing/2014/main" id="{ECCD1CAD-F4BE-C985-01F2-85EAB07F0119}"/>
+              </a:ext>
+            </a:extLst>
+          </p:cNvPr>
+          <p:cNvSpPr>
+            <a:spLocks noGrp="1"/>
+          </p:cNvSpPr>
+          <p:nvPr>
+            <p:ph idx="1"/>
+          </p:nvPr>
+        </p:nvSpPr>
+        <p:spPr/>
+        <p:txBody>
+          <a:bodyPr/>
+          <a:lstStyle/>
+          <a:p>
+            <a:pPr marL="0" indent="0">
+              <a:buNone/>
+            </a:pPr>
+            <a:r>
+              <a:rPr lang="en-US" dirty="0">
+                <a:hlinkClick r:id="rId3"/>
+              </a:rPr>
+              <a:t>ShoreRestore</a:t>
+            </a:r>
+            <a:endParaRPr lang="en-IL" dirty="0"/>
+          </a:p>
+        </p:txBody>
+      </p:sp>
+    </p:spTree>
+    <p:extLst>
+      <p:ext uri="{BB962C8B-B14F-4D97-AF65-F5344CB8AC3E}">
+        <p14:creationId xmlns:p14="http://schemas.microsoft.com/office/powerpoint/2010/main" val="1561706219"/>
       </p:ext>
     </p:extLst>
   </p:cSld>
@@ -15276,12 +15463,12 @@
 </file>
 
 <file path=customXml/item1.xml><?xml version="1.0" encoding="utf-8"?>
-<p:properties xmlns:p="http://schemas.microsoft.com/office/2006/metadata/properties" xmlns:xsi="http://www.w3.org/2001/XMLSchema-instance" xmlns:pc="http://schemas.microsoft.com/office/infopath/2007/PartnerControls">
-  <documentManagement>
-    <Status xmlns="71af3243-3dd4-4a8d-8c0d-dd76da1f02a5">Not started</Status>
-    <MediaServiceKeyPoints xmlns="71af3243-3dd4-4a8d-8c0d-dd76da1f02a5" xsi:nil="true"/>
-  </documentManagement>
-</p:properties>
+<?mso-contentType ?>
+<FormTemplates xmlns="http://schemas.microsoft.com/sharepoint/v3/contenttype/forms">
+  <Display>DocumentLibraryForm</Display>
+  <Edit>DocumentLibraryForm</Edit>
+  <New>DocumentLibraryForm</New>
+</FormTemplates>
 </file>
 
 <file path=customXml/item2.xml><?xml version="1.0" encoding="utf-8"?>
@@ -15506,20 +15693,18 @@
 </file>
 
 <file path=customXml/item3.xml><?xml version="1.0" encoding="utf-8"?>
-<?mso-contentType ?>
-<FormTemplates xmlns="http://schemas.microsoft.com/sharepoint/v3/contenttype/forms">
-  <Display>DocumentLibraryForm</Display>
-  <Edit>DocumentLibraryForm</Edit>
-  <New>DocumentLibraryForm</New>
-</FormTemplates>
+<p:properties xmlns:p="http://schemas.microsoft.com/office/2006/metadata/properties" xmlns:xsi="http://www.w3.org/2001/XMLSchema-instance" xmlns:pc="http://schemas.microsoft.com/office/infopath/2007/PartnerControls">
+  <documentManagement>
+    <Status xmlns="71af3243-3dd4-4a8d-8c0d-dd76da1f02a5">Not started</Status>
+    <MediaServiceKeyPoints xmlns="71af3243-3dd4-4a8d-8c0d-dd76da1f02a5" xsi:nil="true"/>
+  </documentManagement>
+</p:properties>
 </file>
 
 <file path=customXml/itemProps1.xml><?xml version="1.0" encoding="utf-8"?>
-<ds:datastoreItem xmlns:ds="http://schemas.openxmlformats.org/officeDocument/2006/customXml" ds:itemID="{E0C6F0FA-5858-4AD1-8F89-D32310719A51}">
+<ds:datastoreItem xmlns:ds="http://schemas.openxmlformats.org/officeDocument/2006/customXml" ds:itemID="{075A39CB-C45B-4F08-829C-AB9550EE08FE}">
   <ds:schemaRefs>
-    <ds:schemaRef ds:uri="http://schemas.microsoft.com/office/2006/metadata/properties"/>
-    <ds:schemaRef ds:uri="http://schemas.microsoft.com/office/infopath/2007/PartnerControls"/>
-    <ds:schemaRef ds:uri="71af3243-3dd4-4a8d-8c0d-dd76da1f02a5"/>
+    <ds:schemaRef ds:uri="http://schemas.microsoft.com/sharepoint/v3/contenttype/forms"/>
   </ds:schemaRefs>
 </ds:datastoreItem>
 </file>
@@ -15544,9 +15729,11 @@
 </file>
 
 <file path=customXml/itemProps3.xml><?xml version="1.0" encoding="utf-8"?>
-<ds:datastoreItem xmlns:ds="http://schemas.openxmlformats.org/officeDocument/2006/customXml" ds:itemID="{075A39CB-C45B-4F08-829C-AB9550EE08FE}">
+<ds:datastoreItem xmlns:ds="http://schemas.openxmlformats.org/officeDocument/2006/customXml" ds:itemID="{E0C6F0FA-5858-4AD1-8F89-D32310719A51}">
   <ds:schemaRefs>
-    <ds:schemaRef ds:uri="http://schemas.microsoft.com/sharepoint/v3/contenttype/forms"/>
+    <ds:schemaRef ds:uri="http://schemas.microsoft.com/office/2006/metadata/properties"/>
+    <ds:schemaRef ds:uri="http://schemas.microsoft.com/office/infopath/2007/PartnerControls"/>
+    <ds:schemaRef ds:uri="71af3243-3dd4-4a8d-8c0d-dd76da1f02a5"/>
   </ds:schemaRefs>
 </ds:datastoreItem>
 </file>
--- a/demo/Demo.pptx
+++ b/demo/Demo.pptx
@@ -5264,7 +5264,7 @@
           <a:p>
             <a:fld id="{88B24071-69B2-40A7-B3EA-674584CE017F}" type="datetimeFigureOut">
               <a:rPr lang="en-US" smtClean="0"/>
-              <a:t>9/9/2023</a:t>
+              <a:t>9/10/2023</a:t>
             </a:fld>
             <a:endParaRPr lang="en-US" dirty="0"/>
           </a:p>
@@ -13410,7 +13410,7 @@
           <a:p>
             <a:r>
               <a:rPr lang="en-US" dirty="0"/>
-              <a:t>Developing an applicative solution to demonstrate our results (demo)</a:t>
+              <a:t>Develop an applicative solution to demonstrate our results (demo)</a:t>
             </a:r>
             <a:endParaRPr lang="en-IL" dirty="0"/>
           </a:p>
@@ -15463,12 +15463,12 @@
 </file>
 
 <file path=customXml/item1.xml><?xml version="1.0" encoding="utf-8"?>
-<?mso-contentType ?>
-<FormTemplates xmlns="http://schemas.microsoft.com/sharepoint/v3/contenttype/forms">
-  <Display>DocumentLibraryForm</Display>
-  <Edit>DocumentLibraryForm</Edit>
-  <New>DocumentLibraryForm</New>
-</FormTemplates>
+<p:properties xmlns:p="http://schemas.microsoft.com/office/2006/metadata/properties" xmlns:xsi="http://www.w3.org/2001/XMLSchema-instance" xmlns:pc="http://schemas.microsoft.com/office/infopath/2007/PartnerControls">
+  <documentManagement>
+    <Status xmlns="71af3243-3dd4-4a8d-8c0d-dd76da1f02a5">Not started</Status>
+    <MediaServiceKeyPoints xmlns="71af3243-3dd4-4a8d-8c0d-dd76da1f02a5" xsi:nil="true"/>
+  </documentManagement>
+</p:properties>
 </file>
 
 <file path=customXml/item2.xml><?xml version="1.0" encoding="utf-8"?>
@@ -15693,18 +15693,20 @@
 </file>
 
 <file path=customXml/item3.xml><?xml version="1.0" encoding="utf-8"?>
-<p:properties xmlns:p="http://schemas.microsoft.com/office/2006/metadata/properties" xmlns:xsi="http://www.w3.org/2001/XMLSchema-instance" xmlns:pc="http://schemas.microsoft.com/office/infopath/2007/PartnerControls">
-  <documentManagement>
-    <Status xmlns="71af3243-3dd4-4a8d-8c0d-dd76da1f02a5">Not started</Status>
-    <MediaServiceKeyPoints xmlns="71af3243-3dd4-4a8d-8c0d-dd76da1f02a5" xsi:nil="true"/>
-  </documentManagement>
-</p:properties>
+<?mso-contentType ?>
+<FormTemplates xmlns="http://schemas.microsoft.com/sharepoint/v3/contenttype/forms">
+  <Display>DocumentLibraryForm</Display>
+  <Edit>DocumentLibraryForm</Edit>
+  <New>DocumentLibraryForm</New>
+</FormTemplates>
 </file>
 
 <file path=customXml/itemProps1.xml><?xml version="1.0" encoding="utf-8"?>
-<ds:datastoreItem xmlns:ds="http://schemas.openxmlformats.org/officeDocument/2006/customXml" ds:itemID="{075A39CB-C45B-4F08-829C-AB9550EE08FE}">
+<ds:datastoreItem xmlns:ds="http://schemas.openxmlformats.org/officeDocument/2006/customXml" ds:itemID="{E0C6F0FA-5858-4AD1-8F89-D32310719A51}">
   <ds:schemaRefs>
-    <ds:schemaRef ds:uri="http://schemas.microsoft.com/sharepoint/v3/contenttype/forms"/>
+    <ds:schemaRef ds:uri="http://schemas.microsoft.com/office/2006/metadata/properties"/>
+    <ds:schemaRef ds:uri="http://schemas.microsoft.com/office/infopath/2007/PartnerControls"/>
+    <ds:schemaRef ds:uri="71af3243-3dd4-4a8d-8c0d-dd76da1f02a5"/>
   </ds:schemaRefs>
 </ds:datastoreItem>
 </file>
@@ -15729,11 +15731,9 @@
 </file>
 
 <file path=customXml/itemProps3.xml><?xml version="1.0" encoding="utf-8"?>
-<ds:datastoreItem xmlns:ds="http://schemas.openxmlformats.org/officeDocument/2006/customXml" ds:itemID="{E0C6F0FA-5858-4AD1-8F89-D32310719A51}">
+<ds:datastoreItem xmlns:ds="http://schemas.openxmlformats.org/officeDocument/2006/customXml" ds:itemID="{075A39CB-C45B-4F08-829C-AB9550EE08FE}">
   <ds:schemaRefs>
-    <ds:schemaRef ds:uri="http://schemas.microsoft.com/office/2006/metadata/properties"/>
-    <ds:schemaRef ds:uri="http://schemas.microsoft.com/office/infopath/2007/PartnerControls"/>
-    <ds:schemaRef ds:uri="71af3243-3dd4-4a8d-8c0d-dd76da1f02a5"/>
+    <ds:schemaRef ds:uri="http://schemas.microsoft.com/sharepoint/v3/contenttype/forms"/>
   </ds:schemaRefs>
 </ds:datastoreItem>
 </file>